--- a/E-SCHOOL (1).pptx
+++ b/E-SCHOOL (1).pptx
@@ -5240,7 +5240,6 @@
               </a:rPr>
               <a:t>Mobile Android &amp; iOS</a:t>
             </a:r>
-            <a:endParaRPr lang="en-US" sz="2000" dirty="0"/>
           </a:p>
           <a:p>
             <a:pPr marL="342900" indent="-342900" algn="l">
@@ -7782,7 +7781,7 @@
         </p:nvSpPr>
         <p:spPr>
           <a:xfrm>
-            <a:off x="2323148" y="4337566"/>
+            <a:off x="2323148" y="4449723"/>
             <a:ext cx="7380208" cy="452080"/>
           </a:xfrm>
           <a:prstGeom prst="rect">
